--- a/PowerPoint Presentation - Final Project.pptx
+++ b/PowerPoint Presentation - Final Project.pptx
@@ -5,10 +5,10 @@
     <p:sldMasterId id="2147483648" r:id="rId4"/>
   </p:sldMasterIdLst>
   <p:notesMasterIdLst>
-    <p:notesMasterId r:id="rId16"/>
+    <p:notesMasterId r:id="rId15"/>
   </p:notesMasterIdLst>
   <p:handoutMasterIdLst>
-    <p:handoutMasterId r:id="rId17"/>
+    <p:handoutMasterId r:id="rId16"/>
   </p:handoutMasterIdLst>
   <p:sldIdLst>
     <p:sldId id="256" r:id="rId5"/>
@@ -21,7 +21,6 @@
     <p:sldId id="258" r:id="rId12"/>
     <p:sldId id="272" r:id="rId13"/>
     <p:sldId id="270" r:id="rId14"/>
-    <p:sldId id="264" r:id="rId15"/>
   </p:sldIdLst>
   <p:sldSz cx="9144000" cy="6858000" type="screen4x3"/>
   <p:notesSz cx="6858000" cy="9144000"/>
@@ -1719,7 +1718,7 @@
           <a:p>
             <a:fld id="{0BAB0719-0C0B-4FCD-8C42-A758D216E1BD}" type="datetimeFigureOut">
               <a:rPr lang="en-US" smtClean="0"/>
-              <a:t>8/8/2020</a:t>
+              <a:t>8/9/2020</a:t>
             </a:fld>
             <a:endParaRPr lang="en-US" dirty="0"/>
           </a:p>
@@ -1897,7 +1896,7 @@
             <a:fld id="{925A17EF-115B-4BB9-BF42-426DFD9E898A}" type="datetimeFigureOut">
               <a:rPr lang="en-US" smtClean="0"/>
               <a:pPr/>
-              <a:t>8/8/2020</a:t>
+              <a:t>8/9/2020</a:t>
             </a:fld>
             <a:endParaRPr lang="en-US" dirty="0"/>
           </a:p>
@@ -2231,88 +2230,6 @@
               <a:rPr lang="en-US" smtClean="0"/>
               <a:pPr/>
               <a:t>1</a:t>
-            </a:fld>
-            <a:endParaRPr lang="en-US" dirty="0"/>
-          </a:p>
-        </p:txBody>
-      </p:sp>
-    </p:spTree>
-  </p:cSld>
-  <p:clrMapOvr>
-    <a:masterClrMapping/>
-  </p:clrMapOvr>
-</p:notes>
-</file>
-
-<file path=ppt/notesSlides/notesSlide10.xml><?xml version="1.0" encoding="utf-8"?>
-<p:notes xmlns:a="http://schemas.openxmlformats.org/drawingml/2006/main" xmlns:r="http://schemas.openxmlformats.org/officeDocument/2006/relationships" xmlns:p="http://schemas.openxmlformats.org/presentationml/2006/main">
-  <p:cSld>
-    <p:spTree>
-      <p:nvGrpSpPr>
-        <p:cNvPr id="1" name=""/>
-        <p:cNvGrpSpPr/>
-        <p:nvPr/>
-      </p:nvGrpSpPr>
-      <p:grpSpPr>
-        <a:xfrm>
-          <a:off x="0" y="0"/>
-          <a:ext cx="0" cy="0"/>
-          <a:chOff x="0" y="0"/>
-          <a:chExt cx="0" cy="0"/>
-        </a:xfrm>
-      </p:grpSpPr>
-      <p:sp>
-        <p:nvSpPr>
-          <p:cNvPr id="2" name="Slide Image Placeholder 1"/>
-          <p:cNvSpPr>
-            <a:spLocks noGrp="1" noRot="1" noChangeAspect="1"/>
-          </p:cNvSpPr>
-          <p:nvPr>
-            <p:ph type="sldImg"/>
-          </p:nvPr>
-        </p:nvSpPr>
-        <p:spPr/>
-      </p:sp>
-      <p:sp>
-        <p:nvSpPr>
-          <p:cNvPr id="3" name="Notes Placeholder 2"/>
-          <p:cNvSpPr>
-            <a:spLocks noGrp="1"/>
-          </p:cNvSpPr>
-          <p:nvPr>
-            <p:ph type="body" idx="1"/>
-          </p:nvPr>
-        </p:nvSpPr>
-        <p:spPr/>
-        <p:txBody>
-          <a:bodyPr>
-            <a:normAutofit/>
-          </a:bodyPr>
-          <a:lstStyle/>
-          <a:p>
-            <a:endParaRPr lang="en-US" dirty="0"/>
-          </a:p>
-        </p:txBody>
-      </p:sp>
-      <p:sp>
-        <p:nvSpPr>
-          <p:cNvPr id="4" name="Slide Number Placeholder 3"/>
-          <p:cNvSpPr>
-            <a:spLocks noGrp="1"/>
-          </p:cNvSpPr>
-          <p:nvPr>
-            <p:ph type="sldNum" sz="quarter" idx="10"/>
-          </p:nvPr>
-        </p:nvSpPr>
-        <p:spPr/>
-        <p:txBody>
-          <a:bodyPr/>
-          <a:lstStyle/>
-          <a:p>
-            <a:fld id="{7C4E7652-46AF-4259-BAE2-54978EA077CD}" type="slidenum">
-              <a:rPr lang="en-US" smtClean="0"/>
-              <a:pPr/>
-              <a:t>11</a:t>
             </a:fld>
             <a:endParaRPr lang="en-US" dirty="0"/>
           </a:p>
@@ -3358,7 +3275,7 @@
             <a:fld id="{A2E209FB-7A34-414B-812A-BCC5C4256F49}" type="datetime1">
               <a:rPr lang="en-US" smtClean="0"/>
               <a:pPr algn="r"/>
-              <a:t>8/8/2020</a:t>
+              <a:t>8/9/2020</a:t>
             </a:fld>
             <a:endParaRPr lang="en-US" sz="1000" dirty="0"/>
           </a:p>
@@ -5377,194 +5294,6 @@
         <p14:creationId xmlns:p14="http://schemas.microsoft.com/office/powerpoint/2010/main" val="500930712"/>
       </p:ext>
     </p:extLst>
-  </p:cSld>
-  <p:clrMapOvr>
-    <a:masterClrMapping/>
-  </p:clrMapOvr>
-</p:sld>
-</file>
-
-<file path=ppt/slides/slide11.xml><?xml version="1.0" encoding="utf-8"?>
-<p:sld xmlns:a="http://schemas.openxmlformats.org/drawingml/2006/main" xmlns:r="http://schemas.openxmlformats.org/officeDocument/2006/relationships" xmlns:p="http://schemas.openxmlformats.org/presentationml/2006/main">
-  <p:cSld>
-    <p:spTree>
-      <p:nvGrpSpPr>
-        <p:cNvPr id="1" name=""/>
-        <p:cNvGrpSpPr/>
-        <p:nvPr/>
-      </p:nvGrpSpPr>
-      <p:grpSpPr>
-        <a:xfrm>
-          <a:off x="0" y="0"/>
-          <a:ext cx="0" cy="0"/>
-          <a:chOff x="0" y="0"/>
-          <a:chExt cx="0" cy="0"/>
-        </a:xfrm>
-      </p:grpSpPr>
-      <p:sp>
-        <p:nvSpPr>
-          <p:cNvPr id="2" name="Rectangle 1"/>
-          <p:cNvSpPr>
-            <a:spLocks noGrp="1"/>
-          </p:cNvSpPr>
-          <p:nvPr>
-            <p:ph type="title"/>
-          </p:nvPr>
-        </p:nvSpPr>
-        <p:spPr/>
-        <p:txBody>
-          <a:bodyPr/>
-          <a:lstStyle/>
-          <a:p>
-            <a:r>
-              <a:rPr lang="en-US" dirty="0"/>
-              <a:t>RESOURCES</a:t>
-            </a:r>
-          </a:p>
-        </p:txBody>
-      </p:sp>
-      <p:sp>
-        <p:nvSpPr>
-          <p:cNvPr id="8" name="Content Placeholder 7">
-            <a:extLst>
-              <a:ext uri="{FF2B5EF4-FFF2-40B4-BE49-F238E27FC236}">
-                <a16:creationId xmlns:a16="http://schemas.microsoft.com/office/drawing/2014/main" id="{F9973C09-F636-4499-99F3-ECA4BD64B332}"/>
-              </a:ext>
-            </a:extLst>
-          </p:cNvPr>
-          <p:cNvSpPr>
-            <a:spLocks noGrp="1"/>
-          </p:cNvSpPr>
-          <p:nvPr>
-            <p:ph idx="1"/>
-          </p:nvPr>
-        </p:nvSpPr>
-        <p:spPr/>
-        <p:txBody>
-          <a:bodyPr/>
-          <a:lstStyle/>
-          <a:p>
-            <a:pPr marL="64008" indent="0">
-              <a:buNone/>
-            </a:pPr>
-            <a:r>
-              <a:rPr lang="en-US" sz="2000" b="1" dirty="0">
-                <a:solidFill>
-                  <a:schemeClr val="accent1"/>
-                </a:solidFill>
-              </a:rPr>
-              <a:t>SUMMARIZE PROJECT RESOURCES</a:t>
-            </a:r>
-          </a:p>
-          <a:p>
-            <a:pPr lvl="1"/>
-            <a:r>
-              <a:rPr lang="en-US" sz="1600" dirty="0"/>
-              <a:t>Dedicated (full-time) resources</a:t>
-            </a:r>
-          </a:p>
-          <a:p>
-            <a:pPr lvl="1"/>
-            <a:r>
-              <a:rPr lang="en-US" sz="1600" dirty="0"/>
-              <a:t>Part-time resources</a:t>
-            </a:r>
-          </a:p>
-          <a:p>
-            <a:pPr lvl="1"/>
-            <a:r>
-              <a:rPr lang="en-US" sz="1600" dirty="0"/>
-              <a:t>If project is constrained by lack of resources, suggest alternatives</a:t>
-            </a:r>
-          </a:p>
-          <a:p>
-            <a:pPr marL="64008" indent="0">
-              <a:buNone/>
-            </a:pPr>
-            <a:r>
-              <a:rPr lang="en-US" sz="2000" b="1" dirty="0">
-                <a:solidFill>
-                  <a:schemeClr val="accent1"/>
-                </a:solidFill>
-              </a:rPr>
-              <a:t>UNDERSTAND WHAT CUSTOMERS WANT</a:t>
-            </a:r>
-            <a:endParaRPr lang="en-US" sz="1600" dirty="0"/>
-          </a:p>
-          <a:p>
-            <a:pPr marL="537210" lvl="1" indent="0">
-              <a:buNone/>
-            </a:pPr>
-            <a:r>
-              <a:rPr lang="en-US" sz="1600" dirty="0"/>
-              <a:t>Customers may want to be assured that all possible resources are being used, but in such a way that costs will be properly managed</a:t>
-            </a:r>
-          </a:p>
-        </p:txBody>
-      </p:sp>
-      <p:sp>
-        <p:nvSpPr>
-          <p:cNvPr id="4" name="Footer Placeholder 4">
-            <a:extLst>
-              <a:ext uri="{FF2B5EF4-FFF2-40B4-BE49-F238E27FC236}">
-                <a16:creationId xmlns:a16="http://schemas.microsoft.com/office/drawing/2014/main" id="{5BC5789F-7017-44D1-94D9-F925BFFC815A}"/>
-              </a:ext>
-            </a:extLst>
-          </p:cNvPr>
-          <p:cNvSpPr>
-            <a:spLocks noGrp="1"/>
-          </p:cNvSpPr>
-          <p:nvPr>
-            <p:ph type="ftr" sz="quarter" idx="11"/>
-          </p:nvPr>
-        </p:nvSpPr>
-        <p:spPr/>
-        <p:txBody>
-          <a:bodyPr/>
-          <a:lstStyle>
-            <a:lvl1pPr>
-              <a:defRPr/>
-            </a:lvl1pPr>
-          </a:lstStyle>
-          <a:p>
-            <a:r>
-              <a:rPr lang="en-US" dirty="0"/>
-              <a:t>www.website.com</a:t>
-            </a:r>
-          </a:p>
-        </p:txBody>
-      </p:sp>
-      <p:sp>
-        <p:nvSpPr>
-          <p:cNvPr id="5" name="Slide Number Placeholder 5">
-            <a:extLst>
-              <a:ext uri="{FF2B5EF4-FFF2-40B4-BE49-F238E27FC236}">
-                <a16:creationId xmlns:a16="http://schemas.microsoft.com/office/drawing/2014/main" id="{161CB7FE-4BC2-4768-8C6C-F2EDE3AAC421}"/>
-              </a:ext>
-            </a:extLst>
-          </p:cNvPr>
-          <p:cNvSpPr>
-            <a:spLocks noGrp="1"/>
-          </p:cNvSpPr>
-          <p:nvPr>
-            <p:ph type="sldNum" sz="quarter" idx="12"/>
-          </p:nvPr>
-        </p:nvSpPr>
-        <p:spPr/>
-        <p:txBody>
-          <a:bodyPr/>
-          <a:lstStyle/>
-          <a:p>
-            <a:fld id="{FEA1243F-3000-4347-94A4-FBDEAD3122CB}" type="slidenum">
-              <a:rPr lang="en-US" smtClean="0"/>
-              <a:pPr/>
-              <a:t>11</a:t>
-            </a:fld>
-            <a:endParaRPr lang="en-US" dirty="0"/>
-          </a:p>
-        </p:txBody>
-      </p:sp>
-    </p:spTree>
   </p:cSld>
   <p:clrMapOvr>
     <a:masterClrMapping/>
@@ -9670,20 +9399,20 @@
 </file>
 
 <file path=customXml/item2.xml><?xml version="1.0" encoding="utf-8"?>
+<p:properties xmlns:p="http://schemas.microsoft.com/office/2006/metadata/properties" xmlns:xsi="http://www.w3.org/2001/XMLSchema-instance" xmlns:pc="http://schemas.microsoft.com/office/infopath/2007/PartnerControls">
+  <documentManagement>
+    <MediaServiceKeyPoints xmlns="71af3243-3dd4-4a8d-8c0d-dd76da1f02a5" xsi:nil="true"/>
+  </documentManagement>
+</p:properties>
+</file>
+
+<file path=customXml/item3.xml><?xml version="1.0" encoding="utf-8"?>
 <?mso-contentType ?>
 <FormTemplates xmlns="http://schemas.microsoft.com/sharepoint/v3/contenttype/forms">
   <Display>DocumentLibraryForm</Display>
   <Edit>DocumentLibraryForm</Edit>
   <New>DocumentLibraryForm</New>
 </FormTemplates>
-</file>
-
-<file path=customXml/item3.xml><?xml version="1.0" encoding="utf-8"?>
-<p:properties xmlns:p="http://schemas.microsoft.com/office/2006/metadata/properties" xmlns:xsi="http://www.w3.org/2001/XMLSchema-instance" xmlns:pc="http://schemas.microsoft.com/office/infopath/2007/PartnerControls">
-  <documentManagement>
-    <MediaServiceKeyPoints xmlns="71af3243-3dd4-4a8d-8c0d-dd76da1f02a5" xsi:nil="true"/>
-  </documentManagement>
-</p:properties>
 </file>
 
 <file path=customXml/itemProps1.xml><?xml version="1.0" encoding="utf-8"?>
@@ -9706,14 +9435,6 @@
 </file>
 
 <file path=customXml/itemProps2.xml><?xml version="1.0" encoding="utf-8"?>
-<ds:datastoreItem xmlns:ds="http://schemas.openxmlformats.org/officeDocument/2006/customXml" ds:itemID="{3DC31EBE-A492-4CE5-9650-1E2C8FDDD7CE}">
-  <ds:schemaRefs>
-    <ds:schemaRef ds:uri="http://schemas.microsoft.com/sharepoint/v3/contenttype/forms"/>
-  </ds:schemaRefs>
-</ds:datastoreItem>
-</file>
-
-<file path=customXml/itemProps3.xml><?xml version="1.0" encoding="utf-8"?>
 <ds:datastoreItem xmlns:ds="http://schemas.openxmlformats.org/officeDocument/2006/customXml" ds:itemID="{DCB47EFB-BDBB-4CE5-A848-1507BE3B7989}">
   <ds:schemaRefs>
     <ds:schemaRef ds:uri="http://schemas.microsoft.com/office/2006/metadata/properties"/>
@@ -9721,4 +9442,12 @@
     <ds:schemaRef ds:uri="71af3243-3dd4-4a8d-8c0d-dd76da1f02a5"/>
   </ds:schemaRefs>
 </ds:datastoreItem>
+</file>
+
+<file path=customXml/itemProps3.xml><?xml version="1.0" encoding="utf-8"?>
+<ds:datastoreItem xmlns:ds="http://schemas.openxmlformats.org/officeDocument/2006/customXml" ds:itemID="{3DC31EBE-A492-4CE5-9650-1E2C8FDDD7CE}">
+  <ds:schemaRefs>
+    <ds:schemaRef ds:uri="http://schemas.microsoft.com/sharepoint/v3/contenttype/forms"/>
+  </ds:schemaRefs>
+</ds:datastoreItem>
 </file>